--- a/1-1사전구축.pptx
+++ b/1-1사전구축.pptx
@@ -1429,19 +1429,19 @@
     </dgm:pt>
   </dgm:ptLst>
   <dgm:cxnLst>
+    <dgm:cxn modelId="{D7259617-9886-49DB-B058-23B3EE867BD1}" type="presOf" srcId="{E72BB405-1534-4333-8AE7-BC60F43ED8C5}" destId="{1661E62E-6BBA-4C74-A421-0E514286E236}" srcOrd="0" destOrd="0" presId="urn:microsoft.com/office/officeart/2005/8/layout/hList6"/>
+    <dgm:cxn modelId="{3934D069-1661-4848-B896-3F3B46F3B321}" type="presOf" srcId="{AB5D359A-BDFD-4FEC-AB31-BB6696A6E23D}" destId="{B4B5232C-7F35-4CF2-9982-6549EC431A5D}" srcOrd="0" destOrd="1" presId="urn:microsoft.com/office/officeart/2005/8/layout/hList6"/>
+    <dgm:cxn modelId="{31F2A975-B1C8-4C52-8CA5-1AF3B530512E}" srcId="{E72BB405-1534-4333-8AE7-BC60F43ED8C5}" destId="{6C6EAE9D-AD65-4DC6-ABEC-BAB69032C1B5}" srcOrd="1" destOrd="0" parTransId="{7B03928E-CFCC-4F48-9FDD-1C5493A48EFE}" sibTransId="{1A4AB7A7-5468-466A-81ED-619EFA84EAB2}"/>
+    <dgm:cxn modelId="{093EBED7-EDE7-4E8A-8E66-773C38ABAC04}" srcId="{6C6EAE9D-AD65-4DC6-ABEC-BAB69032C1B5}" destId="{AB5D359A-BDFD-4FEC-AB31-BB6696A6E23D}" srcOrd="0" destOrd="0" parTransId="{1476B233-E723-41A5-AAE6-CDEAAFB6EAD4}" sibTransId="{16013A59-6D38-4BC5-AD56-79E217A38821}"/>
+    <dgm:cxn modelId="{D1DFE788-646E-49E5-BD5B-2FE5F0665FAE}" type="presOf" srcId="{759055F5-2527-4B50-BFE8-90D309F73EDA}" destId="{9B4F8533-84FD-4BBE-A670-DD07AB546F88}" srcOrd="0" destOrd="0" presId="urn:microsoft.com/office/officeart/2005/8/layout/hList6"/>
     <dgm:cxn modelId="{6632A5EA-1552-4747-873C-4D3901E1D266}" srcId="{C5B35E2A-6941-4951-97FA-C1A83300ADA9}" destId="{C7B712C9-98E5-40A8-AB19-627ED3645B9B}" srcOrd="0" destOrd="0" parTransId="{4BC78371-DA7D-432B-9DA7-CF87A0B6CE3D}" sibTransId="{980E41EA-4669-4CE9-83C8-638C3198634A}"/>
-    <dgm:cxn modelId="{4E872541-93A3-402F-B84D-53E375B98429}" type="presOf" srcId="{6C6EAE9D-AD65-4DC6-ABEC-BAB69032C1B5}" destId="{B4B5232C-7F35-4CF2-9982-6549EC431A5D}" srcOrd="0" destOrd="0" presId="urn:microsoft.com/office/officeart/2005/8/layout/hList6"/>
+    <dgm:cxn modelId="{E692DA2C-C589-45C0-8B33-5AF79AF9BF1D}" type="presOf" srcId="{C7B712C9-98E5-40A8-AB19-627ED3645B9B}" destId="{0BEA1B04-1277-4718-81DD-B6F4711FE1EF}" srcOrd="0" destOrd="1" presId="urn:microsoft.com/office/officeart/2005/8/layout/hList6"/>
     <dgm:cxn modelId="{53740EDB-CD75-49D4-865E-8584F6CCCED3}" type="presOf" srcId="{56342350-9DDA-4815-B241-ABE088C4DD33}" destId="{9B4F8533-84FD-4BBE-A670-DD07AB546F88}" srcOrd="0" destOrd="1" presId="urn:microsoft.com/office/officeart/2005/8/layout/hList6"/>
     <dgm:cxn modelId="{665628F4-4A93-49E0-AB8D-8789458CB895}" srcId="{759055F5-2527-4B50-BFE8-90D309F73EDA}" destId="{56342350-9DDA-4815-B241-ABE088C4DD33}" srcOrd="0" destOrd="0" parTransId="{BBEE49BC-BD92-4A10-8066-D38BE631CC87}" sibTransId="{9E15AE78-B373-449E-AC2F-5E4DAE58E021}"/>
+    <dgm:cxn modelId="{4E872541-93A3-402F-B84D-53E375B98429}" type="presOf" srcId="{6C6EAE9D-AD65-4DC6-ABEC-BAB69032C1B5}" destId="{B4B5232C-7F35-4CF2-9982-6549EC431A5D}" srcOrd="0" destOrd="0" presId="urn:microsoft.com/office/officeart/2005/8/layout/hList6"/>
+    <dgm:cxn modelId="{F4D3B152-043B-4156-B39B-24D0E34BFAC7}" srcId="{E72BB405-1534-4333-8AE7-BC60F43ED8C5}" destId="{759055F5-2527-4B50-BFE8-90D309F73EDA}" srcOrd="0" destOrd="0" parTransId="{A19F2D5C-409E-463D-9D89-60E61BA93F9F}" sibTransId="{7494E669-4B00-4402-855C-964D47876348}"/>
     <dgm:cxn modelId="{8EC99ED7-6992-4930-93BD-367A0F5C7886}" type="presOf" srcId="{C5B35E2A-6941-4951-97FA-C1A83300ADA9}" destId="{0BEA1B04-1277-4718-81DD-B6F4711FE1EF}" srcOrd="0" destOrd="0" presId="urn:microsoft.com/office/officeart/2005/8/layout/hList6"/>
-    <dgm:cxn modelId="{31F2A975-B1C8-4C52-8CA5-1AF3B530512E}" srcId="{E72BB405-1534-4333-8AE7-BC60F43ED8C5}" destId="{6C6EAE9D-AD65-4DC6-ABEC-BAB69032C1B5}" srcOrd="1" destOrd="0" parTransId="{7B03928E-CFCC-4F48-9FDD-1C5493A48EFE}" sibTransId="{1A4AB7A7-5468-466A-81ED-619EFA84EAB2}"/>
     <dgm:cxn modelId="{758FE252-015A-426D-AF3D-E74C3F2BF161}" srcId="{E72BB405-1534-4333-8AE7-BC60F43ED8C5}" destId="{C5B35E2A-6941-4951-97FA-C1A83300ADA9}" srcOrd="2" destOrd="0" parTransId="{5489453A-48E8-40CF-A48E-91BC4DDBEC63}" sibTransId="{F5E2C6A8-7E78-4A36-98FF-65D4182B7044}"/>
-    <dgm:cxn modelId="{D7259617-9886-49DB-B058-23B3EE867BD1}" type="presOf" srcId="{E72BB405-1534-4333-8AE7-BC60F43ED8C5}" destId="{1661E62E-6BBA-4C74-A421-0E514286E236}" srcOrd="0" destOrd="0" presId="urn:microsoft.com/office/officeart/2005/8/layout/hList6"/>
-    <dgm:cxn modelId="{E692DA2C-C589-45C0-8B33-5AF79AF9BF1D}" type="presOf" srcId="{C7B712C9-98E5-40A8-AB19-627ED3645B9B}" destId="{0BEA1B04-1277-4718-81DD-B6F4711FE1EF}" srcOrd="0" destOrd="1" presId="urn:microsoft.com/office/officeart/2005/8/layout/hList6"/>
-    <dgm:cxn modelId="{D1DFE788-646E-49E5-BD5B-2FE5F0665FAE}" type="presOf" srcId="{759055F5-2527-4B50-BFE8-90D309F73EDA}" destId="{9B4F8533-84FD-4BBE-A670-DD07AB546F88}" srcOrd="0" destOrd="0" presId="urn:microsoft.com/office/officeart/2005/8/layout/hList6"/>
-    <dgm:cxn modelId="{F4D3B152-043B-4156-B39B-24D0E34BFAC7}" srcId="{E72BB405-1534-4333-8AE7-BC60F43ED8C5}" destId="{759055F5-2527-4B50-BFE8-90D309F73EDA}" srcOrd="0" destOrd="0" parTransId="{A19F2D5C-409E-463D-9D89-60E61BA93F9F}" sibTransId="{7494E669-4B00-4402-855C-964D47876348}"/>
-    <dgm:cxn modelId="{3934D069-1661-4848-B896-3F3B46F3B321}" type="presOf" srcId="{AB5D359A-BDFD-4FEC-AB31-BB6696A6E23D}" destId="{B4B5232C-7F35-4CF2-9982-6549EC431A5D}" srcOrd="0" destOrd="1" presId="urn:microsoft.com/office/officeart/2005/8/layout/hList6"/>
-    <dgm:cxn modelId="{093EBED7-EDE7-4E8A-8E66-773C38ABAC04}" srcId="{6C6EAE9D-AD65-4DC6-ABEC-BAB69032C1B5}" destId="{AB5D359A-BDFD-4FEC-AB31-BB6696A6E23D}" srcOrd="0" destOrd="0" parTransId="{1476B233-E723-41A5-AAE6-CDEAAFB6EAD4}" sibTransId="{16013A59-6D38-4BC5-AD56-79E217A38821}"/>
     <dgm:cxn modelId="{01B3C4F2-190D-4781-9E8D-B4FE2C9A738C}" type="presParOf" srcId="{1661E62E-6BBA-4C74-A421-0E514286E236}" destId="{9B4F8533-84FD-4BBE-A670-DD07AB546F88}" srcOrd="0" destOrd="0" presId="urn:microsoft.com/office/officeart/2005/8/layout/hList6"/>
     <dgm:cxn modelId="{87F97849-8A65-450D-B639-3F651EBB26FE}" type="presParOf" srcId="{1661E62E-6BBA-4C74-A421-0E514286E236}" destId="{7F78794D-437C-4B73-B068-493C2F3417CE}" srcOrd="1" destOrd="0" presId="urn:microsoft.com/office/officeart/2005/8/layout/hList6"/>
     <dgm:cxn modelId="{B2EEC19E-0199-47F4-A8EC-0F0F392C13F5}" type="presParOf" srcId="{1661E62E-6BBA-4C74-A421-0E514286E236}" destId="{B4B5232C-7F35-4CF2-9982-6549EC431A5D}" srcOrd="2" destOrd="0" presId="urn:microsoft.com/office/officeart/2005/8/layout/hList6"/>
@@ -3082,7 +3082,7 @@
             <a:fld id="{978B7B6E-4711-456D-891A-73A1334D8B07}" type="datetimeFigureOut">
               <a:rPr lang="ko-KR" altLang="en-US" smtClean="0"/>
               <a:pPr/>
-              <a:t>2019-09-25</a:t>
+              <a:t>2019-09-27</a:t>
             </a:fld>
             <a:endParaRPr lang="ko-KR" altLang="en-US"/>
           </a:p>
@@ -3530,7 +3530,7 @@
             <a:fld id="{8777F105-046A-4C94-82DC-B0F3E731B525}" type="datetimeFigureOut">
               <a:rPr lang="ko-KR" altLang="en-US" smtClean="0"/>
               <a:pPr/>
-              <a:t>2019-09-25</a:t>
+              <a:t>2019-09-27</a:t>
             </a:fld>
             <a:endParaRPr lang="ko-KR" altLang="en-US"/>
           </a:p>
@@ -3697,7 +3697,7 @@
             <a:fld id="{8777F105-046A-4C94-82DC-B0F3E731B525}" type="datetimeFigureOut">
               <a:rPr lang="ko-KR" altLang="en-US" smtClean="0"/>
               <a:pPr/>
-              <a:t>2019-09-25</a:t>
+              <a:t>2019-09-27</a:t>
             </a:fld>
             <a:endParaRPr lang="ko-KR" altLang="en-US"/>
           </a:p>
@@ -3874,7 +3874,7 @@
             <a:fld id="{8777F105-046A-4C94-82DC-B0F3E731B525}" type="datetimeFigureOut">
               <a:rPr lang="ko-KR" altLang="en-US" smtClean="0"/>
               <a:pPr/>
-              <a:t>2019-09-25</a:t>
+              <a:t>2019-09-27</a:t>
             </a:fld>
             <a:endParaRPr lang="ko-KR" altLang="en-US"/>
           </a:p>
@@ -4041,7 +4041,7 @@
             <a:fld id="{8777F105-046A-4C94-82DC-B0F3E731B525}" type="datetimeFigureOut">
               <a:rPr lang="ko-KR" altLang="en-US" smtClean="0"/>
               <a:pPr/>
-              <a:t>2019-09-25</a:t>
+              <a:t>2019-09-27</a:t>
             </a:fld>
             <a:endParaRPr lang="ko-KR" altLang="en-US"/>
           </a:p>
@@ -4284,7 +4284,7 @@
             <a:fld id="{8777F105-046A-4C94-82DC-B0F3E731B525}" type="datetimeFigureOut">
               <a:rPr lang="ko-KR" altLang="en-US" smtClean="0"/>
               <a:pPr/>
-              <a:t>2019-09-25</a:t>
+              <a:t>2019-09-27</a:t>
             </a:fld>
             <a:endParaRPr lang="ko-KR" altLang="en-US"/>
           </a:p>
@@ -4569,7 +4569,7 @@
             <a:fld id="{8777F105-046A-4C94-82DC-B0F3E731B525}" type="datetimeFigureOut">
               <a:rPr lang="ko-KR" altLang="en-US" smtClean="0"/>
               <a:pPr/>
-              <a:t>2019-09-25</a:t>
+              <a:t>2019-09-27</a:t>
             </a:fld>
             <a:endParaRPr lang="ko-KR" altLang="en-US"/>
           </a:p>
@@ -4988,7 +4988,7 @@
             <a:fld id="{8777F105-046A-4C94-82DC-B0F3E731B525}" type="datetimeFigureOut">
               <a:rPr lang="ko-KR" altLang="en-US" smtClean="0"/>
               <a:pPr/>
-              <a:t>2019-09-25</a:t>
+              <a:t>2019-09-27</a:t>
             </a:fld>
             <a:endParaRPr lang="ko-KR" altLang="en-US"/>
           </a:p>
@@ -5103,7 +5103,7 @@
             <a:fld id="{8777F105-046A-4C94-82DC-B0F3E731B525}" type="datetimeFigureOut">
               <a:rPr lang="ko-KR" altLang="en-US" smtClean="0"/>
               <a:pPr/>
-              <a:t>2019-09-25</a:t>
+              <a:t>2019-09-27</a:t>
             </a:fld>
             <a:endParaRPr lang="ko-KR" altLang="en-US"/>
           </a:p>
@@ -5195,7 +5195,7 @@
             <a:fld id="{8777F105-046A-4C94-82DC-B0F3E731B525}" type="datetimeFigureOut">
               <a:rPr lang="ko-KR" altLang="en-US" smtClean="0"/>
               <a:pPr/>
-              <a:t>2019-09-25</a:t>
+              <a:t>2019-09-27</a:t>
             </a:fld>
             <a:endParaRPr lang="ko-KR" altLang="en-US"/>
           </a:p>
@@ -5469,7 +5469,7 @@
             <a:fld id="{8777F105-046A-4C94-82DC-B0F3E731B525}" type="datetimeFigureOut">
               <a:rPr lang="ko-KR" altLang="en-US" smtClean="0"/>
               <a:pPr/>
-              <a:t>2019-09-25</a:t>
+              <a:t>2019-09-27</a:t>
             </a:fld>
             <a:endParaRPr lang="ko-KR" altLang="en-US"/>
           </a:p>
@@ -5719,7 +5719,7 @@
             <a:fld id="{8777F105-046A-4C94-82DC-B0F3E731B525}" type="datetimeFigureOut">
               <a:rPr lang="ko-KR" altLang="en-US" smtClean="0"/>
               <a:pPr/>
-              <a:t>2019-09-25</a:t>
+              <a:t>2019-09-27</a:t>
             </a:fld>
             <a:endParaRPr lang="ko-KR" altLang="en-US"/>
           </a:p>
@@ -5929,7 +5929,7 @@
             <a:fld id="{8777F105-046A-4C94-82DC-B0F3E731B525}" type="datetimeFigureOut">
               <a:rPr lang="ko-KR" altLang="en-US" smtClean="0"/>
               <a:pPr/>
-              <a:t>2019-09-25</a:t>
+              <a:t>2019-09-27</a:t>
             </a:fld>
             <a:endParaRPr lang="ko-KR" altLang="en-US"/>
           </a:p>
@@ -7841,27 +7841,7 @@
           </a:p>
           <a:p>
             <a:pPr algn="ctr"/>
-            <a:r>
-              <a:rPr lang="en-US" altLang="ko-KR" sz="1400" dirty="0" smtClean="0">
-                <a:solidFill>
-                  <a:schemeClr val="tx1"/>
-                </a:solidFill>
-                <a:latin typeface="나눔명조" panose="02020603020101020101" charset="-127"/>
-                <a:ea typeface="나눔명조" panose="02020603020101020101" charset="-127"/>
-              </a:rPr>
-              <a:t>But, </a:t>
-            </a:r>
-            <a:r>
-              <a:rPr lang="ko-KR" altLang="en-US" sz="1400" dirty="0" smtClean="0">
-                <a:solidFill>
-                  <a:schemeClr val="tx1"/>
-                </a:solidFill>
-                <a:latin typeface="나눔명조" panose="02020603020101020101" charset="-127"/>
-                <a:ea typeface="나눔명조" panose="02020603020101020101" charset="-127"/>
-              </a:rPr>
-              <a:t>해결 가능</a:t>
-            </a:r>
-            <a:endParaRPr lang="ko-KR" altLang="en-US" sz="1400" dirty="0">
+            <a:endParaRPr lang="en-US" altLang="ko-KR" sz="1400" dirty="0" smtClean="0">
               <a:solidFill>
                 <a:schemeClr val="tx1"/>
               </a:solidFill>
@@ -7871,6 +7851,120 @@
           </a:p>
         </p:txBody>
       </p:sp>
+      <p:sp>
+        <p:nvSpPr>
+          <p:cNvPr id="2" name="TextBox 1"/>
+          <p:cNvSpPr txBox="1"/>
+          <p:nvPr/>
+        </p:nvSpPr>
+        <p:spPr>
+          <a:xfrm>
+            <a:off x="7638848" y="4248419"/>
+            <a:ext cx="1382900" cy="307777"/>
+          </a:xfrm>
+          <a:prstGeom prst="rect">
+            <a:avLst/>
+          </a:prstGeom>
+          <a:noFill/>
+        </p:spPr>
+        <p:txBody>
+          <a:bodyPr wrap="square" rtlCol="0">
+            <a:spAutoFit/>
+          </a:bodyPr>
+          <a:lstStyle/>
+          <a:p>
+            <a:pPr algn="ctr"/>
+            <a:r>
+              <a:rPr lang="en-US" altLang="ko-KR" sz="1400" dirty="0" smtClean="0">
+                <a:latin typeface="나눔명조" panose="02020603020101020101" pitchFamily="18" charset="-127"/>
+                <a:ea typeface="나눔명조" panose="02020603020101020101" pitchFamily="18" charset="-127"/>
+              </a:rPr>
+              <a:t>Windows </a:t>
+            </a:r>
+            <a:r>
+              <a:rPr lang="ko-KR" altLang="en-US" sz="1400" dirty="0" smtClean="0">
+                <a:latin typeface="나눔명조" panose="02020603020101020101" pitchFamily="18" charset="-127"/>
+                <a:ea typeface="나눔명조" panose="02020603020101020101" pitchFamily="18" charset="-127"/>
+              </a:rPr>
+              <a:t>가능</a:t>
+            </a:r>
+            <a:endParaRPr lang="ko-KR" altLang="en-US" sz="1400" dirty="0">
+              <a:latin typeface="나눔명조" panose="02020603020101020101" pitchFamily="18" charset="-127"/>
+              <a:ea typeface="나눔명조" panose="02020603020101020101" pitchFamily="18" charset="-127"/>
+            </a:endParaRPr>
+          </a:p>
+        </p:txBody>
+      </p:sp>
+      <p:cxnSp>
+        <p:nvCxnSpPr>
+          <p:cNvPr id="11" name="직선 연결선 10"/>
+          <p:cNvCxnSpPr/>
+          <p:nvPr/>
+        </p:nvCxnSpPr>
+        <p:spPr>
+          <a:xfrm>
+            <a:off x="7624100" y="4146270"/>
+            <a:ext cx="1334970" cy="0"/>
+          </a:xfrm>
+          <a:prstGeom prst="line">
+            <a:avLst/>
+          </a:prstGeom>
+          <a:ln w="19050">
+            <a:solidFill>
+              <a:srgbClr val="FF0000"/>
+            </a:solidFill>
+          </a:ln>
+        </p:spPr>
+        <p:style>
+          <a:lnRef idx="1">
+            <a:schemeClr val="accent2"/>
+          </a:lnRef>
+          <a:fillRef idx="0">
+            <a:schemeClr val="accent2"/>
+          </a:fillRef>
+          <a:effectRef idx="0">
+            <a:schemeClr val="accent2"/>
+          </a:effectRef>
+          <a:fontRef idx="minor">
+            <a:schemeClr val="tx1"/>
+          </a:fontRef>
+        </p:style>
+      </p:cxnSp>
+      <p:cxnSp>
+        <p:nvCxnSpPr>
+          <p:cNvPr id="25" name="직선 연결선 24"/>
+          <p:cNvCxnSpPr/>
+          <p:nvPr/>
+        </p:nvCxnSpPr>
+        <p:spPr>
+          <a:xfrm>
+            <a:off x="7624100" y="4196156"/>
+            <a:ext cx="1334970" cy="0"/>
+          </a:xfrm>
+          <a:prstGeom prst="line">
+            <a:avLst/>
+          </a:prstGeom>
+          <a:ln w="19050">
+            <a:solidFill>
+              <a:srgbClr val="FF0000"/>
+            </a:solidFill>
+          </a:ln>
+        </p:spPr>
+        <p:style>
+          <a:lnRef idx="1">
+            <a:schemeClr val="accent2"/>
+          </a:lnRef>
+          <a:fillRef idx="0">
+            <a:schemeClr val="accent2"/>
+          </a:fillRef>
+          <a:effectRef idx="0">
+            <a:schemeClr val="accent2"/>
+          </a:effectRef>
+          <a:fontRef idx="minor">
+            <a:schemeClr val="tx1"/>
+          </a:fontRef>
+        </p:style>
+      </p:cxnSp>
     </p:spTree>
     <p:extLst>
       <p:ext uri="{BB962C8B-B14F-4D97-AF65-F5344CB8AC3E}">
@@ -7884,9 +7978,597 @@
   <p:timing>
     <p:tnLst>
       <p:par>
-        <p:cTn id="1" dur="indefinite" restart="never" nodeType="tmRoot"/>
+        <p:cTn id="1" dur="indefinite" restart="never" nodeType="tmRoot">
+          <p:childTnLst>
+            <p:seq concurrent="1" nextAc="seek">
+              <p:cTn id="2" dur="indefinite" nodeType="mainSeq">
+                <p:childTnLst>
+                  <p:par>
+                    <p:cTn id="3" fill="hold">
+                      <p:stCondLst>
+                        <p:cond delay="indefinite"/>
+                      </p:stCondLst>
+                      <p:childTnLst>
+                        <p:par>
+                          <p:cTn id="4" fill="hold">
+                            <p:stCondLst>
+                              <p:cond delay="0"/>
+                            </p:stCondLst>
+                            <p:childTnLst>
+                              <p:par>
+                                <p:cTn id="5" presetID="10" presetClass="entr" presetSubtype="0" fill="hold" grpId="0" nodeType="clickEffect">
+                                  <p:stCondLst>
+                                    <p:cond delay="0"/>
+                                  </p:stCondLst>
+                                  <p:childTnLst>
+                                    <p:set>
+                                      <p:cBhvr>
+                                        <p:cTn id="6" dur="1" fill="hold">
+                                          <p:stCondLst>
+                                            <p:cond delay="0"/>
+                                          </p:stCondLst>
+                                        </p:cTn>
+                                        <p:tgtEl>
+                                          <p:spTgt spid="26"/>
+                                        </p:tgtEl>
+                                        <p:attrNameLst>
+                                          <p:attrName>style.visibility</p:attrName>
+                                        </p:attrNameLst>
+                                      </p:cBhvr>
+                                      <p:to>
+                                        <p:strVal val="visible"/>
+                                      </p:to>
+                                    </p:set>
+                                    <p:animEffect transition="in" filter="fade">
+                                      <p:cBhvr>
+                                        <p:cTn id="7" dur="500"/>
+                                        <p:tgtEl>
+                                          <p:spTgt spid="26"/>
+                                        </p:tgtEl>
+                                      </p:cBhvr>
+                                    </p:animEffect>
+                                  </p:childTnLst>
+                                </p:cTn>
+                              </p:par>
+                            </p:childTnLst>
+                          </p:cTn>
+                        </p:par>
+                      </p:childTnLst>
+                    </p:cTn>
+                  </p:par>
+                  <p:par>
+                    <p:cTn id="8" fill="hold">
+                      <p:stCondLst>
+                        <p:cond delay="indefinite"/>
+                      </p:stCondLst>
+                      <p:childTnLst>
+                        <p:par>
+                          <p:cTn id="9" fill="hold">
+                            <p:stCondLst>
+                              <p:cond delay="0"/>
+                            </p:stCondLst>
+                            <p:childTnLst>
+                              <p:par>
+                                <p:cTn id="10" presetID="10" presetClass="entr" presetSubtype="0" fill="hold" nodeType="clickEffect">
+                                  <p:stCondLst>
+                                    <p:cond delay="0"/>
+                                  </p:stCondLst>
+                                  <p:childTnLst>
+                                    <p:set>
+                                      <p:cBhvr>
+                                        <p:cTn id="11" dur="1" fill="hold">
+                                          <p:stCondLst>
+                                            <p:cond delay="0"/>
+                                          </p:stCondLst>
+                                        </p:cTn>
+                                        <p:tgtEl>
+                                          <p:spTgt spid="8"/>
+                                        </p:tgtEl>
+                                        <p:attrNameLst>
+                                          <p:attrName>style.visibility</p:attrName>
+                                        </p:attrNameLst>
+                                      </p:cBhvr>
+                                      <p:to>
+                                        <p:strVal val="visible"/>
+                                      </p:to>
+                                    </p:set>
+                                    <p:animEffect transition="in" filter="fade">
+                                      <p:cBhvr>
+                                        <p:cTn id="12" dur="500"/>
+                                        <p:tgtEl>
+                                          <p:spTgt spid="8"/>
+                                        </p:tgtEl>
+                                      </p:cBhvr>
+                                    </p:animEffect>
+                                  </p:childTnLst>
+                                </p:cTn>
+                              </p:par>
+                              <p:par>
+                                <p:cTn id="13" presetID="10" presetClass="entr" presetSubtype="0" fill="hold" nodeType="withEffect">
+                                  <p:stCondLst>
+                                    <p:cond delay="0"/>
+                                  </p:stCondLst>
+                                  <p:childTnLst>
+                                    <p:set>
+                                      <p:cBhvr>
+                                        <p:cTn id="14" dur="1" fill="hold">
+                                          <p:stCondLst>
+                                            <p:cond delay="0"/>
+                                          </p:stCondLst>
+                                        </p:cTn>
+                                        <p:tgtEl>
+                                          <p:spTgt spid="7"/>
+                                        </p:tgtEl>
+                                        <p:attrNameLst>
+                                          <p:attrName>style.visibility</p:attrName>
+                                        </p:attrNameLst>
+                                      </p:cBhvr>
+                                      <p:to>
+                                        <p:strVal val="visible"/>
+                                      </p:to>
+                                    </p:set>
+                                    <p:animEffect transition="in" filter="fade">
+                                      <p:cBhvr>
+                                        <p:cTn id="15" dur="500"/>
+                                        <p:tgtEl>
+                                          <p:spTgt spid="7"/>
+                                        </p:tgtEl>
+                                      </p:cBhvr>
+                                    </p:animEffect>
+                                  </p:childTnLst>
+                                </p:cTn>
+                              </p:par>
+                            </p:childTnLst>
+                          </p:cTn>
+                        </p:par>
+                      </p:childTnLst>
+                    </p:cTn>
+                  </p:par>
+                  <p:par>
+                    <p:cTn id="16" fill="hold">
+                      <p:stCondLst>
+                        <p:cond delay="indefinite"/>
+                      </p:stCondLst>
+                      <p:childTnLst>
+                        <p:par>
+                          <p:cTn id="17" fill="hold">
+                            <p:stCondLst>
+                              <p:cond delay="0"/>
+                            </p:stCondLst>
+                            <p:childTnLst>
+                              <p:par>
+                                <p:cTn id="18" presetID="10" presetClass="entr" presetSubtype="0" fill="hold" grpId="0" nodeType="clickEffect">
+                                  <p:stCondLst>
+                                    <p:cond delay="0"/>
+                                  </p:stCondLst>
+                                  <p:childTnLst>
+                                    <p:set>
+                                      <p:cBhvr>
+                                        <p:cTn id="19" dur="1" fill="hold">
+                                          <p:stCondLst>
+                                            <p:cond delay="0"/>
+                                          </p:stCondLst>
+                                        </p:cTn>
+                                        <p:tgtEl>
+                                          <p:spTgt spid="33"/>
+                                        </p:tgtEl>
+                                        <p:attrNameLst>
+                                          <p:attrName>style.visibility</p:attrName>
+                                        </p:attrNameLst>
+                                      </p:cBhvr>
+                                      <p:to>
+                                        <p:strVal val="visible"/>
+                                      </p:to>
+                                    </p:set>
+                                    <p:animEffect transition="in" filter="fade">
+                                      <p:cBhvr>
+                                        <p:cTn id="20" dur="500"/>
+                                        <p:tgtEl>
+                                          <p:spTgt spid="33"/>
+                                        </p:tgtEl>
+                                      </p:cBhvr>
+                                    </p:animEffect>
+                                  </p:childTnLst>
+                                </p:cTn>
+                              </p:par>
+                              <p:par>
+                                <p:cTn id="21" presetID="10" presetClass="entr" presetSubtype="0" fill="hold" grpId="0" nodeType="withEffect">
+                                  <p:stCondLst>
+                                    <p:cond delay="0"/>
+                                  </p:stCondLst>
+                                  <p:childTnLst>
+                                    <p:set>
+                                      <p:cBhvr>
+                                        <p:cTn id="22" dur="1" fill="hold">
+                                          <p:stCondLst>
+                                            <p:cond delay="0"/>
+                                          </p:stCondLst>
+                                        </p:cTn>
+                                        <p:tgtEl>
+                                          <p:spTgt spid="34"/>
+                                        </p:tgtEl>
+                                        <p:attrNameLst>
+                                          <p:attrName>style.visibility</p:attrName>
+                                        </p:attrNameLst>
+                                      </p:cBhvr>
+                                      <p:to>
+                                        <p:strVal val="visible"/>
+                                      </p:to>
+                                    </p:set>
+                                    <p:animEffect transition="in" filter="fade">
+                                      <p:cBhvr>
+                                        <p:cTn id="23" dur="500"/>
+                                        <p:tgtEl>
+                                          <p:spTgt spid="34"/>
+                                        </p:tgtEl>
+                                      </p:cBhvr>
+                                    </p:animEffect>
+                                  </p:childTnLst>
+                                </p:cTn>
+                              </p:par>
+                            </p:childTnLst>
+                          </p:cTn>
+                        </p:par>
+                      </p:childTnLst>
+                    </p:cTn>
+                  </p:par>
+                  <p:par>
+                    <p:cTn id="24" fill="hold">
+                      <p:stCondLst>
+                        <p:cond delay="indefinite"/>
+                      </p:stCondLst>
+                      <p:childTnLst>
+                        <p:par>
+                          <p:cTn id="25" fill="hold">
+                            <p:stCondLst>
+                              <p:cond delay="0"/>
+                            </p:stCondLst>
+                            <p:childTnLst>
+                              <p:par>
+                                <p:cTn id="26" presetID="10" presetClass="entr" presetSubtype="0" fill="hold" nodeType="clickEffect">
+                                  <p:stCondLst>
+                                    <p:cond delay="0"/>
+                                  </p:stCondLst>
+                                  <p:childTnLst>
+                                    <p:set>
+                                      <p:cBhvr>
+                                        <p:cTn id="27" dur="1" fill="hold">
+                                          <p:stCondLst>
+                                            <p:cond delay="0"/>
+                                          </p:stCondLst>
+                                        </p:cTn>
+                                        <p:tgtEl>
+                                          <p:spTgt spid="25"/>
+                                        </p:tgtEl>
+                                        <p:attrNameLst>
+                                          <p:attrName>style.visibility</p:attrName>
+                                        </p:attrNameLst>
+                                      </p:cBhvr>
+                                      <p:to>
+                                        <p:strVal val="visible"/>
+                                      </p:to>
+                                    </p:set>
+                                    <p:animEffect transition="in" filter="fade">
+                                      <p:cBhvr>
+                                        <p:cTn id="28" dur="500"/>
+                                        <p:tgtEl>
+                                          <p:spTgt spid="25"/>
+                                        </p:tgtEl>
+                                      </p:cBhvr>
+                                    </p:animEffect>
+                                  </p:childTnLst>
+                                </p:cTn>
+                              </p:par>
+                              <p:par>
+                                <p:cTn id="29" presetID="10" presetClass="entr" presetSubtype="0" fill="hold" nodeType="withEffect">
+                                  <p:stCondLst>
+                                    <p:cond delay="0"/>
+                                  </p:stCondLst>
+                                  <p:childTnLst>
+                                    <p:set>
+                                      <p:cBhvr>
+                                        <p:cTn id="30" dur="1" fill="hold">
+                                          <p:stCondLst>
+                                            <p:cond delay="0"/>
+                                          </p:stCondLst>
+                                        </p:cTn>
+                                        <p:tgtEl>
+                                          <p:spTgt spid="11"/>
+                                        </p:tgtEl>
+                                        <p:attrNameLst>
+                                          <p:attrName>style.visibility</p:attrName>
+                                        </p:attrNameLst>
+                                      </p:cBhvr>
+                                      <p:to>
+                                        <p:strVal val="visible"/>
+                                      </p:to>
+                                    </p:set>
+                                    <p:animEffect transition="in" filter="fade">
+                                      <p:cBhvr>
+                                        <p:cTn id="31" dur="500"/>
+                                        <p:tgtEl>
+                                          <p:spTgt spid="11"/>
+                                        </p:tgtEl>
+                                      </p:cBhvr>
+                                    </p:animEffect>
+                                  </p:childTnLst>
+                                </p:cTn>
+                              </p:par>
+                            </p:childTnLst>
+                          </p:cTn>
+                        </p:par>
+                      </p:childTnLst>
+                    </p:cTn>
+                  </p:par>
+                  <p:par>
+                    <p:cTn id="32" fill="hold">
+                      <p:stCondLst>
+                        <p:cond delay="indefinite"/>
+                      </p:stCondLst>
+                      <p:childTnLst>
+                        <p:par>
+                          <p:cTn id="33" fill="hold">
+                            <p:stCondLst>
+                              <p:cond delay="0"/>
+                            </p:stCondLst>
+                            <p:childTnLst>
+                              <p:par>
+                                <p:cTn id="34" presetID="10" presetClass="entr" presetSubtype="0" fill="hold" nodeType="clickEffect">
+                                  <p:stCondLst>
+                                    <p:cond delay="0"/>
+                                  </p:stCondLst>
+                                  <p:childTnLst>
+                                    <p:set>
+                                      <p:cBhvr>
+                                        <p:cTn id="35" dur="1" fill="hold">
+                                          <p:stCondLst>
+                                            <p:cond delay="0"/>
+                                          </p:stCondLst>
+                                        </p:cTn>
+                                        <p:tgtEl>
+                                          <p:spTgt spid="2">
+                                            <p:txEl>
+                                              <p:pRg st="0" end="0"/>
+                                            </p:txEl>
+                                          </p:spTgt>
+                                        </p:tgtEl>
+                                        <p:attrNameLst>
+                                          <p:attrName>style.visibility</p:attrName>
+                                        </p:attrNameLst>
+                                      </p:cBhvr>
+                                      <p:to>
+                                        <p:strVal val="visible"/>
+                                      </p:to>
+                                    </p:set>
+                                    <p:animEffect transition="in" filter="fade">
+                                      <p:cBhvr>
+                                        <p:cTn id="36" dur="500"/>
+                                        <p:tgtEl>
+                                          <p:spTgt spid="2">
+                                            <p:txEl>
+                                              <p:pRg st="0" end="0"/>
+                                            </p:txEl>
+                                          </p:spTgt>
+                                        </p:tgtEl>
+                                      </p:cBhvr>
+                                    </p:animEffect>
+                                  </p:childTnLst>
+                                </p:cTn>
+                              </p:par>
+                            </p:childTnLst>
+                          </p:cTn>
+                        </p:par>
+                      </p:childTnLst>
+                    </p:cTn>
+                  </p:par>
+                  <p:par>
+                    <p:cTn id="37" fill="hold">
+                      <p:stCondLst>
+                        <p:cond delay="indefinite"/>
+                      </p:stCondLst>
+                      <p:childTnLst>
+                        <p:par>
+                          <p:cTn id="38" fill="hold">
+                            <p:stCondLst>
+                              <p:cond delay="0"/>
+                            </p:stCondLst>
+                            <p:childTnLst>
+                              <p:par>
+                                <p:cTn id="39" presetID="42" presetClass="entr" presetSubtype="0" fill="hold" grpId="0" nodeType="clickEffect">
+                                  <p:stCondLst>
+                                    <p:cond delay="0"/>
+                                  </p:stCondLst>
+                                  <p:childTnLst>
+                                    <p:set>
+                                      <p:cBhvr>
+                                        <p:cTn id="40" dur="1" fill="hold">
+                                          <p:stCondLst>
+                                            <p:cond delay="0"/>
+                                          </p:stCondLst>
+                                        </p:cTn>
+                                        <p:tgtEl>
+                                          <p:spTgt spid="32"/>
+                                        </p:tgtEl>
+                                        <p:attrNameLst>
+                                          <p:attrName>style.visibility</p:attrName>
+                                        </p:attrNameLst>
+                                      </p:cBhvr>
+                                      <p:to>
+                                        <p:strVal val="visible"/>
+                                      </p:to>
+                                    </p:set>
+                                    <p:animEffect transition="in" filter="fade">
+                                      <p:cBhvr>
+                                        <p:cTn id="41" dur="1000"/>
+                                        <p:tgtEl>
+                                          <p:spTgt spid="32"/>
+                                        </p:tgtEl>
+                                      </p:cBhvr>
+                                    </p:animEffect>
+                                    <p:anim calcmode="lin" valueType="num">
+                                      <p:cBhvr>
+                                        <p:cTn id="42" dur="1000" fill="hold"/>
+                                        <p:tgtEl>
+                                          <p:spTgt spid="32"/>
+                                        </p:tgtEl>
+                                        <p:attrNameLst>
+                                          <p:attrName>ppt_x</p:attrName>
+                                        </p:attrNameLst>
+                                      </p:cBhvr>
+                                      <p:tavLst>
+                                        <p:tav tm="0">
+                                          <p:val>
+                                            <p:strVal val="#ppt_x"/>
+                                          </p:val>
+                                        </p:tav>
+                                        <p:tav tm="100000">
+                                          <p:val>
+                                            <p:strVal val="#ppt_x"/>
+                                          </p:val>
+                                        </p:tav>
+                                      </p:tavLst>
+                                    </p:anim>
+                                    <p:anim calcmode="lin" valueType="num">
+                                      <p:cBhvr>
+                                        <p:cTn id="43" dur="1000" fill="hold"/>
+                                        <p:tgtEl>
+                                          <p:spTgt spid="32"/>
+                                        </p:tgtEl>
+                                        <p:attrNameLst>
+                                          <p:attrName>ppt_y</p:attrName>
+                                        </p:attrNameLst>
+                                      </p:cBhvr>
+                                      <p:tavLst>
+                                        <p:tav tm="0">
+                                          <p:val>
+                                            <p:strVal val="#ppt_y+.1"/>
+                                          </p:val>
+                                        </p:tav>
+                                        <p:tav tm="100000">
+                                          <p:val>
+                                            <p:strVal val="#ppt_y"/>
+                                          </p:val>
+                                        </p:tav>
+                                      </p:tavLst>
+                                    </p:anim>
+                                  </p:childTnLst>
+                                </p:cTn>
+                              </p:par>
+                              <p:par>
+                                <p:cTn id="44" presetID="42" presetClass="entr" presetSubtype="0" fill="hold" grpId="0" nodeType="withEffect">
+                                  <p:stCondLst>
+                                    <p:cond delay="0"/>
+                                  </p:stCondLst>
+                                  <p:childTnLst>
+                                    <p:set>
+                                      <p:cBhvr>
+                                        <p:cTn id="45" dur="1" fill="hold">
+                                          <p:stCondLst>
+                                            <p:cond delay="0"/>
+                                          </p:stCondLst>
+                                        </p:cTn>
+                                        <p:tgtEl>
+                                          <p:spTgt spid="31"/>
+                                        </p:tgtEl>
+                                        <p:attrNameLst>
+                                          <p:attrName>style.visibility</p:attrName>
+                                        </p:attrNameLst>
+                                      </p:cBhvr>
+                                      <p:to>
+                                        <p:strVal val="visible"/>
+                                      </p:to>
+                                    </p:set>
+                                    <p:animEffect transition="in" filter="fade">
+                                      <p:cBhvr>
+                                        <p:cTn id="46" dur="1000"/>
+                                        <p:tgtEl>
+                                          <p:spTgt spid="31"/>
+                                        </p:tgtEl>
+                                      </p:cBhvr>
+                                    </p:animEffect>
+                                    <p:anim calcmode="lin" valueType="num">
+                                      <p:cBhvr>
+                                        <p:cTn id="47" dur="1000" fill="hold"/>
+                                        <p:tgtEl>
+                                          <p:spTgt spid="31"/>
+                                        </p:tgtEl>
+                                        <p:attrNameLst>
+                                          <p:attrName>ppt_x</p:attrName>
+                                        </p:attrNameLst>
+                                      </p:cBhvr>
+                                      <p:tavLst>
+                                        <p:tav tm="0">
+                                          <p:val>
+                                            <p:strVal val="#ppt_x"/>
+                                          </p:val>
+                                        </p:tav>
+                                        <p:tav tm="100000">
+                                          <p:val>
+                                            <p:strVal val="#ppt_x"/>
+                                          </p:val>
+                                        </p:tav>
+                                      </p:tavLst>
+                                    </p:anim>
+                                    <p:anim calcmode="lin" valueType="num">
+                                      <p:cBhvr>
+                                        <p:cTn id="48" dur="1000" fill="hold"/>
+                                        <p:tgtEl>
+                                          <p:spTgt spid="31"/>
+                                        </p:tgtEl>
+                                        <p:attrNameLst>
+                                          <p:attrName>ppt_y</p:attrName>
+                                        </p:attrNameLst>
+                                      </p:cBhvr>
+                                      <p:tavLst>
+                                        <p:tav tm="0">
+                                          <p:val>
+                                            <p:strVal val="#ppt_y+.1"/>
+                                          </p:val>
+                                        </p:tav>
+                                        <p:tav tm="100000">
+                                          <p:val>
+                                            <p:strVal val="#ppt_y"/>
+                                          </p:val>
+                                        </p:tav>
+                                      </p:tavLst>
+                                    </p:anim>
+                                  </p:childTnLst>
+                                </p:cTn>
+                              </p:par>
+                            </p:childTnLst>
+                          </p:cTn>
+                        </p:par>
+                      </p:childTnLst>
+                    </p:cTn>
+                  </p:par>
+                </p:childTnLst>
+              </p:cTn>
+              <p:prevCondLst>
+                <p:cond evt="onPrev" delay="0">
+                  <p:tgtEl>
+                    <p:sldTgt/>
+                  </p:tgtEl>
+                </p:cond>
+              </p:prevCondLst>
+              <p:nextCondLst>
+                <p:cond evt="onNext" delay="0">
+                  <p:tgtEl>
+                    <p:sldTgt/>
+                  </p:tgtEl>
+                </p:cond>
+              </p:nextCondLst>
+            </p:seq>
+          </p:childTnLst>
+        </p:cTn>
       </p:par>
     </p:tnLst>
+    <p:bldLst>
+      <p:bldP spid="26" grpId="0" animBg="1"/>
+      <p:bldP spid="31" grpId="0" animBg="1"/>
+      <p:bldP spid="32" grpId="0" animBg="1"/>
+      <p:bldP spid="33" grpId="0" animBg="1"/>
+      <p:bldP spid="34" grpId="0" animBg="1"/>
+    </p:bldLst>
   </p:timing>
 </p:sld>
 </file>
@@ -8708,9 +9390,394 @@
   <p:timing>
     <p:tnLst>
       <p:par>
-        <p:cTn id="1" dur="indefinite" restart="never" nodeType="tmRoot"/>
+        <p:cTn id="1" dur="indefinite" restart="never" nodeType="tmRoot">
+          <p:childTnLst>
+            <p:seq concurrent="1" nextAc="seek">
+              <p:cTn id="2" dur="indefinite" nodeType="mainSeq">
+                <p:childTnLst>
+                  <p:par>
+                    <p:cTn id="3" fill="hold">
+                      <p:stCondLst>
+                        <p:cond delay="indefinite"/>
+                      </p:stCondLst>
+                      <p:childTnLst>
+                        <p:par>
+                          <p:cTn id="4" fill="hold">
+                            <p:stCondLst>
+                              <p:cond delay="0"/>
+                            </p:stCondLst>
+                            <p:childTnLst>
+                              <p:par>
+                                <p:cTn id="5" presetID="10" presetClass="entr" presetSubtype="0" fill="hold" grpId="0" nodeType="clickEffect">
+                                  <p:stCondLst>
+                                    <p:cond delay="0"/>
+                                  </p:stCondLst>
+                                  <p:childTnLst>
+                                    <p:set>
+                                      <p:cBhvr>
+                                        <p:cTn id="6" dur="1" fill="hold">
+                                          <p:stCondLst>
+                                            <p:cond delay="0"/>
+                                          </p:stCondLst>
+                                        </p:cTn>
+                                        <p:tgtEl>
+                                          <p:spTgt spid="2048"/>
+                                        </p:tgtEl>
+                                        <p:attrNameLst>
+                                          <p:attrName>style.visibility</p:attrName>
+                                        </p:attrNameLst>
+                                      </p:cBhvr>
+                                      <p:to>
+                                        <p:strVal val="visible"/>
+                                      </p:to>
+                                    </p:set>
+                                    <p:animEffect transition="in" filter="fade">
+                                      <p:cBhvr>
+                                        <p:cTn id="7" dur="500"/>
+                                        <p:tgtEl>
+                                          <p:spTgt spid="2048"/>
+                                        </p:tgtEl>
+                                      </p:cBhvr>
+                                    </p:animEffect>
+                                  </p:childTnLst>
+                                </p:cTn>
+                              </p:par>
+                              <p:par>
+                                <p:cTn id="8" presetID="10" presetClass="entr" presetSubtype="0" fill="hold" grpId="0" nodeType="withEffect">
+                                  <p:stCondLst>
+                                    <p:cond delay="0"/>
+                                  </p:stCondLst>
+                                  <p:childTnLst>
+                                    <p:set>
+                                      <p:cBhvr>
+                                        <p:cTn id="9" dur="1" fill="hold">
+                                          <p:stCondLst>
+                                            <p:cond delay="0"/>
+                                          </p:stCondLst>
+                                        </p:cTn>
+                                        <p:tgtEl>
+                                          <p:spTgt spid="40"/>
+                                        </p:tgtEl>
+                                        <p:attrNameLst>
+                                          <p:attrName>style.visibility</p:attrName>
+                                        </p:attrNameLst>
+                                      </p:cBhvr>
+                                      <p:to>
+                                        <p:strVal val="visible"/>
+                                      </p:to>
+                                    </p:set>
+                                    <p:animEffect transition="in" filter="fade">
+                                      <p:cBhvr>
+                                        <p:cTn id="10" dur="500"/>
+                                        <p:tgtEl>
+                                          <p:spTgt spid="40"/>
+                                        </p:tgtEl>
+                                      </p:cBhvr>
+                                    </p:animEffect>
+                                  </p:childTnLst>
+                                </p:cTn>
+                              </p:par>
+                            </p:childTnLst>
+                          </p:cTn>
+                        </p:par>
+                      </p:childTnLst>
+                    </p:cTn>
+                  </p:par>
+                  <p:par>
+                    <p:cTn id="11" fill="hold">
+                      <p:stCondLst>
+                        <p:cond delay="indefinite"/>
+                      </p:stCondLst>
+                      <p:childTnLst>
+                        <p:par>
+                          <p:cTn id="12" fill="hold">
+                            <p:stCondLst>
+                              <p:cond delay="0"/>
+                            </p:stCondLst>
+                            <p:childTnLst>
+                              <p:par>
+                                <p:cTn id="13" presetID="10" presetClass="entr" presetSubtype="0" fill="hold" grpId="0" nodeType="clickEffect">
+                                  <p:stCondLst>
+                                    <p:cond delay="0"/>
+                                  </p:stCondLst>
+                                  <p:childTnLst>
+                                    <p:set>
+                                      <p:cBhvr>
+                                        <p:cTn id="14" dur="1" fill="hold">
+                                          <p:stCondLst>
+                                            <p:cond delay="0"/>
+                                          </p:stCondLst>
+                                        </p:cTn>
+                                        <p:tgtEl>
+                                          <p:spTgt spid="35"/>
+                                        </p:tgtEl>
+                                        <p:attrNameLst>
+                                          <p:attrName>style.visibility</p:attrName>
+                                        </p:attrNameLst>
+                                      </p:cBhvr>
+                                      <p:to>
+                                        <p:strVal val="visible"/>
+                                      </p:to>
+                                    </p:set>
+                                    <p:animEffect transition="in" filter="fade">
+                                      <p:cBhvr>
+                                        <p:cTn id="15" dur="500"/>
+                                        <p:tgtEl>
+                                          <p:spTgt spid="35"/>
+                                        </p:tgtEl>
+                                      </p:cBhvr>
+                                    </p:animEffect>
+                                  </p:childTnLst>
+                                </p:cTn>
+                              </p:par>
+                              <p:par>
+                                <p:cTn id="16" presetID="10" presetClass="entr" presetSubtype="0" fill="hold" grpId="0" nodeType="withEffect">
+                                  <p:stCondLst>
+                                    <p:cond delay="0"/>
+                                  </p:stCondLst>
+                                  <p:childTnLst>
+                                    <p:set>
+                                      <p:cBhvr>
+                                        <p:cTn id="17" dur="1" fill="hold">
+                                          <p:stCondLst>
+                                            <p:cond delay="0"/>
+                                          </p:stCondLst>
+                                        </p:cTn>
+                                        <p:tgtEl>
+                                          <p:spTgt spid="41"/>
+                                        </p:tgtEl>
+                                        <p:attrNameLst>
+                                          <p:attrName>style.visibility</p:attrName>
+                                        </p:attrNameLst>
+                                      </p:cBhvr>
+                                      <p:to>
+                                        <p:strVal val="visible"/>
+                                      </p:to>
+                                    </p:set>
+                                    <p:animEffect transition="in" filter="fade">
+                                      <p:cBhvr>
+                                        <p:cTn id="18" dur="500"/>
+                                        <p:tgtEl>
+                                          <p:spTgt spid="41"/>
+                                        </p:tgtEl>
+                                      </p:cBhvr>
+                                    </p:animEffect>
+                                  </p:childTnLst>
+                                </p:cTn>
+                              </p:par>
+                            </p:childTnLst>
+                          </p:cTn>
+                        </p:par>
+                      </p:childTnLst>
+                    </p:cTn>
+                  </p:par>
+                  <p:par>
+                    <p:cTn id="19" fill="hold">
+                      <p:stCondLst>
+                        <p:cond delay="indefinite"/>
+                      </p:stCondLst>
+                      <p:childTnLst>
+                        <p:par>
+                          <p:cTn id="20" fill="hold">
+                            <p:stCondLst>
+                              <p:cond delay="0"/>
+                            </p:stCondLst>
+                            <p:childTnLst>
+                              <p:par>
+                                <p:cTn id="21" presetID="10" presetClass="entr" presetSubtype="0" fill="hold" grpId="0" nodeType="clickEffect">
+                                  <p:stCondLst>
+                                    <p:cond delay="0"/>
+                                  </p:stCondLst>
+                                  <p:childTnLst>
+                                    <p:set>
+                                      <p:cBhvr>
+                                        <p:cTn id="22" dur="1" fill="hold">
+                                          <p:stCondLst>
+                                            <p:cond delay="0"/>
+                                          </p:stCondLst>
+                                        </p:cTn>
+                                        <p:tgtEl>
+                                          <p:spTgt spid="38"/>
+                                        </p:tgtEl>
+                                        <p:attrNameLst>
+                                          <p:attrName>style.visibility</p:attrName>
+                                        </p:attrNameLst>
+                                      </p:cBhvr>
+                                      <p:to>
+                                        <p:strVal val="visible"/>
+                                      </p:to>
+                                    </p:set>
+                                    <p:animEffect transition="in" filter="fade">
+                                      <p:cBhvr>
+                                        <p:cTn id="23" dur="500"/>
+                                        <p:tgtEl>
+                                          <p:spTgt spid="38"/>
+                                        </p:tgtEl>
+                                      </p:cBhvr>
+                                    </p:animEffect>
+                                  </p:childTnLst>
+                                </p:cTn>
+                              </p:par>
+                              <p:par>
+                                <p:cTn id="24" presetID="10" presetClass="entr" presetSubtype="0" fill="hold" grpId="0" nodeType="withEffect">
+                                  <p:stCondLst>
+                                    <p:cond delay="0"/>
+                                  </p:stCondLst>
+                                  <p:childTnLst>
+                                    <p:set>
+                                      <p:cBhvr>
+                                        <p:cTn id="25" dur="1" fill="hold">
+                                          <p:stCondLst>
+                                            <p:cond delay="0"/>
+                                          </p:stCondLst>
+                                        </p:cTn>
+                                        <p:tgtEl>
+                                          <p:spTgt spid="42"/>
+                                        </p:tgtEl>
+                                        <p:attrNameLst>
+                                          <p:attrName>style.visibility</p:attrName>
+                                        </p:attrNameLst>
+                                      </p:cBhvr>
+                                      <p:to>
+                                        <p:strVal val="visible"/>
+                                      </p:to>
+                                    </p:set>
+                                    <p:animEffect transition="in" filter="fade">
+                                      <p:cBhvr>
+                                        <p:cTn id="26" dur="500"/>
+                                        <p:tgtEl>
+                                          <p:spTgt spid="42"/>
+                                        </p:tgtEl>
+                                      </p:cBhvr>
+                                    </p:animEffect>
+                                  </p:childTnLst>
+                                </p:cTn>
+                              </p:par>
+                            </p:childTnLst>
+                          </p:cTn>
+                        </p:par>
+                      </p:childTnLst>
+                    </p:cTn>
+                  </p:par>
+                  <p:par>
+                    <p:cTn id="27" fill="hold">
+                      <p:stCondLst>
+                        <p:cond delay="indefinite"/>
+                      </p:stCondLst>
+                      <p:childTnLst>
+                        <p:par>
+                          <p:cTn id="28" fill="hold">
+                            <p:stCondLst>
+                              <p:cond delay="0"/>
+                            </p:stCondLst>
+                            <p:childTnLst>
+                              <p:par>
+                                <p:cTn id="29" presetID="10" presetClass="entr" presetSubtype="0" fill="hold" grpId="0" nodeType="clickEffect">
+                                  <p:stCondLst>
+                                    <p:cond delay="0"/>
+                                  </p:stCondLst>
+                                  <p:childTnLst>
+                                    <p:set>
+                                      <p:cBhvr>
+                                        <p:cTn id="30" dur="1" fill="hold">
+                                          <p:stCondLst>
+                                            <p:cond delay="0"/>
+                                          </p:stCondLst>
+                                        </p:cTn>
+                                        <p:tgtEl>
+                                          <p:spTgt spid="39"/>
+                                        </p:tgtEl>
+                                        <p:attrNameLst>
+                                          <p:attrName>style.visibility</p:attrName>
+                                        </p:attrNameLst>
+                                      </p:cBhvr>
+                                      <p:to>
+                                        <p:strVal val="visible"/>
+                                      </p:to>
+                                    </p:set>
+                                    <p:animEffect transition="in" filter="fade">
+                                      <p:cBhvr>
+                                        <p:cTn id="31" dur="500"/>
+                                        <p:tgtEl>
+                                          <p:spTgt spid="39"/>
+                                        </p:tgtEl>
+                                      </p:cBhvr>
+                                    </p:animEffect>
+                                  </p:childTnLst>
+                                </p:cTn>
+                              </p:par>
+                              <p:par>
+                                <p:cTn id="32" presetID="10" presetClass="entr" presetSubtype="0" fill="hold" grpId="0" nodeType="withEffect">
+                                  <p:stCondLst>
+                                    <p:cond delay="0"/>
+                                  </p:stCondLst>
+                                  <p:childTnLst>
+                                    <p:set>
+                                      <p:cBhvr>
+                                        <p:cTn id="33" dur="1" fill="hold">
+                                          <p:stCondLst>
+                                            <p:cond delay="0"/>
+                                          </p:stCondLst>
+                                        </p:cTn>
+                                        <p:tgtEl>
+                                          <p:spTgt spid="43"/>
+                                        </p:tgtEl>
+                                        <p:attrNameLst>
+                                          <p:attrName>style.visibility</p:attrName>
+                                        </p:attrNameLst>
+                                      </p:cBhvr>
+                                      <p:to>
+                                        <p:strVal val="visible"/>
+                                      </p:to>
+                                    </p:set>
+                                    <p:animEffect transition="in" filter="fade">
+                                      <p:cBhvr>
+                                        <p:cTn id="34" dur="500"/>
+                                        <p:tgtEl>
+                                          <p:spTgt spid="43"/>
+                                        </p:tgtEl>
+                                      </p:cBhvr>
+                                    </p:animEffect>
+                                  </p:childTnLst>
+                                </p:cTn>
+                              </p:par>
+                            </p:childTnLst>
+                          </p:cTn>
+                        </p:par>
+                      </p:childTnLst>
+                    </p:cTn>
+                  </p:par>
+                </p:childTnLst>
+              </p:cTn>
+              <p:prevCondLst>
+                <p:cond evt="onPrev" delay="0">
+                  <p:tgtEl>
+                    <p:sldTgt/>
+                  </p:tgtEl>
+                </p:cond>
+              </p:prevCondLst>
+              <p:nextCondLst>
+                <p:cond evt="onNext" delay="0">
+                  <p:tgtEl>
+                    <p:sldTgt/>
+                  </p:tgtEl>
+                </p:cond>
+              </p:nextCondLst>
+            </p:seq>
+          </p:childTnLst>
+        </p:cTn>
       </p:par>
     </p:tnLst>
+    <p:bldLst>
+      <p:bldP spid="2048" grpId="0"/>
+      <p:bldP spid="35" grpId="0"/>
+      <p:bldP spid="38" grpId="0"/>
+      <p:bldP spid="39" grpId="0"/>
+      <p:bldP spid="40" grpId="0" animBg="1"/>
+      <p:bldP spid="41" grpId="0" animBg="1"/>
+      <p:bldP spid="42" grpId="0" animBg="1"/>
+      <p:bldP spid="43" grpId="0" animBg="1"/>
+    </p:bldLst>
   </p:timing>
 </p:sld>
 </file>
@@ -9244,7 +10311,7 @@
           <a:lstStyle/>
           <a:p>
             <a:r>
-              <a:rPr lang="en-US" altLang="ko-KR" sz="1600" smtClean="0">
+              <a:rPr lang="en-US" altLang="ko-KR" sz="1600" dirty="0" smtClean="0">
                 <a:solidFill>
                   <a:srgbClr val="00B0F0"/>
                 </a:solidFill>
@@ -9520,9 +10587,358 @@
   <p:timing>
     <p:tnLst>
       <p:par>
-        <p:cTn id="1" dur="indefinite" restart="never" nodeType="tmRoot"/>
+        <p:cTn id="1" dur="indefinite" restart="never" nodeType="tmRoot">
+          <p:childTnLst>
+            <p:seq concurrent="1" nextAc="seek">
+              <p:cTn id="2" dur="indefinite" nodeType="mainSeq">
+                <p:childTnLst>
+                  <p:par>
+                    <p:cTn id="3" fill="hold">
+                      <p:stCondLst>
+                        <p:cond delay="indefinite"/>
+                      </p:stCondLst>
+                      <p:childTnLst>
+                        <p:par>
+                          <p:cTn id="4" fill="hold">
+                            <p:stCondLst>
+                              <p:cond delay="0"/>
+                            </p:stCondLst>
+                            <p:childTnLst>
+                              <p:par>
+                                <p:cTn id="5" presetID="10" presetClass="entr" presetSubtype="0" fill="hold" grpId="0" nodeType="clickEffect">
+                                  <p:stCondLst>
+                                    <p:cond delay="0"/>
+                                  </p:stCondLst>
+                                  <p:childTnLst>
+                                    <p:set>
+                                      <p:cBhvr>
+                                        <p:cTn id="6" dur="1" fill="hold">
+                                          <p:stCondLst>
+                                            <p:cond delay="0"/>
+                                          </p:stCondLst>
+                                        </p:cTn>
+                                        <p:tgtEl>
+                                          <p:spTgt spid="17"/>
+                                        </p:tgtEl>
+                                        <p:attrNameLst>
+                                          <p:attrName>style.visibility</p:attrName>
+                                        </p:attrNameLst>
+                                      </p:cBhvr>
+                                      <p:to>
+                                        <p:strVal val="visible"/>
+                                      </p:to>
+                                    </p:set>
+                                    <p:animEffect transition="in" filter="fade">
+                                      <p:cBhvr>
+                                        <p:cTn id="7" dur="500"/>
+                                        <p:tgtEl>
+                                          <p:spTgt spid="17"/>
+                                        </p:tgtEl>
+                                      </p:cBhvr>
+                                    </p:animEffect>
+                                  </p:childTnLst>
+                                </p:cTn>
+                              </p:par>
+                            </p:childTnLst>
+                          </p:cTn>
+                        </p:par>
+                      </p:childTnLst>
+                    </p:cTn>
+                  </p:par>
+                  <p:par>
+                    <p:cTn id="8" fill="hold">
+                      <p:stCondLst>
+                        <p:cond delay="indefinite"/>
+                      </p:stCondLst>
+                      <p:childTnLst>
+                        <p:par>
+                          <p:cTn id="9" fill="hold">
+                            <p:stCondLst>
+                              <p:cond delay="0"/>
+                            </p:stCondLst>
+                            <p:childTnLst>
+                              <p:par>
+                                <p:cTn id="10" presetID="10" presetClass="entr" presetSubtype="0" fill="hold" grpId="0" nodeType="clickEffect">
+                                  <p:stCondLst>
+                                    <p:cond delay="0"/>
+                                  </p:stCondLst>
+                                  <p:childTnLst>
+                                    <p:set>
+                                      <p:cBhvr>
+                                        <p:cTn id="11" dur="1" fill="hold">
+                                          <p:stCondLst>
+                                            <p:cond delay="0"/>
+                                          </p:stCondLst>
+                                        </p:cTn>
+                                        <p:tgtEl>
+                                          <p:spTgt spid="20"/>
+                                        </p:tgtEl>
+                                        <p:attrNameLst>
+                                          <p:attrName>style.visibility</p:attrName>
+                                        </p:attrNameLst>
+                                      </p:cBhvr>
+                                      <p:to>
+                                        <p:strVal val="visible"/>
+                                      </p:to>
+                                    </p:set>
+                                    <p:animEffect transition="in" filter="fade">
+                                      <p:cBhvr>
+                                        <p:cTn id="12" dur="500"/>
+                                        <p:tgtEl>
+                                          <p:spTgt spid="20"/>
+                                        </p:tgtEl>
+                                      </p:cBhvr>
+                                    </p:animEffect>
+                                  </p:childTnLst>
+                                </p:cTn>
+                              </p:par>
+                            </p:childTnLst>
+                          </p:cTn>
+                        </p:par>
+                      </p:childTnLst>
+                    </p:cTn>
+                  </p:par>
+                  <p:par>
+                    <p:cTn id="13" fill="hold">
+                      <p:stCondLst>
+                        <p:cond delay="indefinite"/>
+                      </p:stCondLst>
+                      <p:childTnLst>
+                        <p:par>
+                          <p:cTn id="14" fill="hold">
+                            <p:stCondLst>
+                              <p:cond delay="0"/>
+                            </p:stCondLst>
+                            <p:childTnLst>
+                              <p:par>
+                                <p:cTn id="15" presetID="10" presetClass="entr" presetSubtype="0" fill="hold" grpId="0" nodeType="clickEffect">
+                                  <p:stCondLst>
+                                    <p:cond delay="0"/>
+                                  </p:stCondLst>
+                                  <p:childTnLst>
+                                    <p:set>
+                                      <p:cBhvr>
+                                        <p:cTn id="16" dur="1" fill="hold">
+                                          <p:stCondLst>
+                                            <p:cond delay="0"/>
+                                          </p:stCondLst>
+                                        </p:cTn>
+                                        <p:tgtEl>
+                                          <p:spTgt spid="21"/>
+                                        </p:tgtEl>
+                                        <p:attrNameLst>
+                                          <p:attrName>style.visibility</p:attrName>
+                                        </p:attrNameLst>
+                                      </p:cBhvr>
+                                      <p:to>
+                                        <p:strVal val="visible"/>
+                                      </p:to>
+                                    </p:set>
+                                    <p:animEffect transition="in" filter="fade">
+                                      <p:cBhvr>
+                                        <p:cTn id="17" dur="500"/>
+                                        <p:tgtEl>
+                                          <p:spTgt spid="21"/>
+                                        </p:tgtEl>
+                                      </p:cBhvr>
+                                    </p:animEffect>
+                                  </p:childTnLst>
+                                </p:cTn>
+                              </p:par>
+                            </p:childTnLst>
+                          </p:cTn>
+                        </p:par>
+                      </p:childTnLst>
+                    </p:cTn>
+                  </p:par>
+                  <p:par>
+                    <p:cTn id="18" fill="hold">
+                      <p:stCondLst>
+                        <p:cond delay="indefinite"/>
+                      </p:stCondLst>
+                      <p:childTnLst>
+                        <p:par>
+                          <p:cTn id="19" fill="hold">
+                            <p:stCondLst>
+                              <p:cond delay="0"/>
+                            </p:stCondLst>
+                            <p:childTnLst>
+                              <p:par>
+                                <p:cTn id="20" presetID="10" presetClass="entr" presetSubtype="0" fill="hold" grpId="0" nodeType="clickEffect">
+                                  <p:stCondLst>
+                                    <p:cond delay="0"/>
+                                  </p:stCondLst>
+                                  <p:childTnLst>
+                                    <p:set>
+                                      <p:cBhvr>
+                                        <p:cTn id="21" dur="1" fill="hold">
+                                          <p:stCondLst>
+                                            <p:cond delay="0"/>
+                                          </p:stCondLst>
+                                        </p:cTn>
+                                        <p:tgtEl>
+                                          <p:spTgt spid="23"/>
+                                        </p:tgtEl>
+                                        <p:attrNameLst>
+                                          <p:attrName>style.visibility</p:attrName>
+                                        </p:attrNameLst>
+                                      </p:cBhvr>
+                                      <p:to>
+                                        <p:strVal val="visible"/>
+                                      </p:to>
+                                    </p:set>
+                                    <p:animEffect transition="in" filter="fade">
+                                      <p:cBhvr>
+                                        <p:cTn id="22" dur="500"/>
+                                        <p:tgtEl>
+                                          <p:spTgt spid="23"/>
+                                        </p:tgtEl>
+                                      </p:cBhvr>
+                                    </p:animEffect>
+                                  </p:childTnLst>
+                                </p:cTn>
+                              </p:par>
+                            </p:childTnLst>
+                          </p:cTn>
+                        </p:par>
+                      </p:childTnLst>
+                    </p:cTn>
+                  </p:par>
+                  <p:par>
+                    <p:cTn id="23" fill="hold">
+                      <p:stCondLst>
+                        <p:cond delay="indefinite"/>
+                      </p:stCondLst>
+                      <p:childTnLst>
+                        <p:par>
+                          <p:cTn id="24" fill="hold">
+                            <p:stCondLst>
+                              <p:cond delay="0"/>
+                            </p:stCondLst>
+                            <p:childTnLst>
+                              <p:par>
+                                <p:cTn id="25" presetID="10" presetClass="entr" presetSubtype="0" fill="hold" grpId="0" nodeType="clickEffect">
+                                  <p:stCondLst>
+                                    <p:cond delay="0"/>
+                                  </p:stCondLst>
+                                  <p:childTnLst>
+                                    <p:set>
+                                      <p:cBhvr>
+                                        <p:cTn id="26" dur="1" fill="hold">
+                                          <p:stCondLst>
+                                            <p:cond delay="0"/>
+                                          </p:stCondLst>
+                                        </p:cTn>
+                                        <p:tgtEl>
+                                          <p:spTgt spid="30"/>
+                                        </p:tgtEl>
+                                        <p:attrNameLst>
+                                          <p:attrName>style.visibility</p:attrName>
+                                        </p:attrNameLst>
+                                      </p:cBhvr>
+                                      <p:to>
+                                        <p:strVal val="visible"/>
+                                      </p:to>
+                                    </p:set>
+                                    <p:animEffect transition="in" filter="fade">
+                                      <p:cBhvr>
+                                        <p:cTn id="27" dur="500"/>
+                                        <p:tgtEl>
+                                          <p:spTgt spid="30"/>
+                                        </p:tgtEl>
+                                      </p:cBhvr>
+                                    </p:animEffect>
+                                  </p:childTnLst>
+                                </p:cTn>
+                              </p:par>
+                            </p:childTnLst>
+                          </p:cTn>
+                        </p:par>
+                      </p:childTnLst>
+                    </p:cTn>
+                  </p:par>
+                  <p:par>
+                    <p:cTn id="28" fill="hold">
+                      <p:stCondLst>
+                        <p:cond delay="indefinite"/>
+                      </p:stCondLst>
+                      <p:childTnLst>
+                        <p:par>
+                          <p:cTn id="29" fill="hold">
+                            <p:stCondLst>
+                              <p:cond delay="0"/>
+                            </p:stCondLst>
+                            <p:childTnLst>
+                              <p:par>
+                                <p:cTn id="30" presetID="10" presetClass="entr" presetSubtype="0" fill="hold" grpId="0" nodeType="clickEffect">
+                                  <p:stCondLst>
+                                    <p:cond delay="0"/>
+                                  </p:stCondLst>
+                                  <p:childTnLst>
+                                    <p:set>
+                                      <p:cBhvr>
+                                        <p:cTn id="31" dur="1" fill="hold">
+                                          <p:stCondLst>
+                                            <p:cond delay="0"/>
+                                          </p:stCondLst>
+                                        </p:cTn>
+                                        <p:tgtEl>
+                                          <p:spTgt spid="32"/>
+                                        </p:tgtEl>
+                                        <p:attrNameLst>
+                                          <p:attrName>style.visibility</p:attrName>
+                                        </p:attrNameLst>
+                                      </p:cBhvr>
+                                      <p:to>
+                                        <p:strVal val="visible"/>
+                                      </p:to>
+                                    </p:set>
+                                    <p:animEffect transition="in" filter="fade">
+                                      <p:cBhvr>
+                                        <p:cTn id="32" dur="500"/>
+                                        <p:tgtEl>
+                                          <p:spTgt spid="32"/>
+                                        </p:tgtEl>
+                                      </p:cBhvr>
+                                    </p:animEffect>
+                                  </p:childTnLst>
+                                </p:cTn>
+                              </p:par>
+                            </p:childTnLst>
+                          </p:cTn>
+                        </p:par>
+                      </p:childTnLst>
+                    </p:cTn>
+                  </p:par>
+                </p:childTnLst>
+              </p:cTn>
+              <p:prevCondLst>
+                <p:cond evt="onPrev" delay="0">
+                  <p:tgtEl>
+                    <p:sldTgt/>
+                  </p:tgtEl>
+                </p:cond>
+              </p:prevCondLst>
+              <p:nextCondLst>
+                <p:cond evt="onNext" delay="0">
+                  <p:tgtEl>
+                    <p:sldTgt/>
+                  </p:tgtEl>
+                </p:cond>
+              </p:nextCondLst>
+            </p:seq>
+          </p:childTnLst>
+        </p:cTn>
       </p:par>
     </p:tnLst>
+    <p:bldLst>
+      <p:bldP spid="17" grpId="0"/>
+      <p:bldP spid="20" grpId="0"/>
+      <p:bldP spid="21" grpId="0"/>
+      <p:bldP spid="23" grpId="0"/>
+      <p:bldP spid="30" grpId="0"/>
+      <p:bldP spid="32" grpId="0"/>
+    </p:bldLst>
   </p:timing>
 </p:sld>
 </file>
